--- a/trunk/final presentation/sdd final presentation.pptx
+++ b/trunk/final presentation/sdd final presentation.pptx
@@ -396,6 +396,7 @@
           <a:p>
             <a:fld id="{05C5E6C7-CAB6-4A34-AA68-9641E9F6FBE4}" type="datetimeFigureOut">
               <a:rPr lang="en-US" smtClean="0"/>
+              <a:pPr/>
               <a:t>5/6/2010</a:t>
             </a:fld>
             <a:endParaRPr lang="en-US"/>
@@ -625,6 +626,7 @@
           <a:p>
             <a:fld id="{7B098AC5-6533-4448-B1B2-53CD62905865}" type="slidenum">
               <a:rPr lang="en-US" smtClean="0"/>
+              <a:pPr/>
               <a:t>‹#›</a:t>
             </a:fld>
             <a:endParaRPr lang="en-US"/>
@@ -789,6 +791,7 @@
           <a:p>
             <a:fld id="{05C5E6C7-CAB6-4A34-AA68-9641E9F6FBE4}" type="datetimeFigureOut">
               <a:rPr lang="en-US" smtClean="0"/>
+              <a:pPr/>
               <a:t>5/6/2010</a:t>
             </a:fld>
             <a:endParaRPr lang="en-US"/>
@@ -831,6 +834,7 @@
           <a:p>
             <a:fld id="{7B098AC5-6533-4448-B1B2-53CD62905865}" type="slidenum">
               <a:rPr lang="en-US" smtClean="0"/>
+              <a:pPr/>
               <a:t>‹#›</a:t>
             </a:fld>
             <a:endParaRPr lang="en-US"/>
@@ -1241,6 +1245,7 @@
           <a:p>
             <a:fld id="{7B098AC5-6533-4448-B1B2-53CD62905865}" type="slidenum">
               <a:rPr lang="en-US" smtClean="0"/>
+              <a:pPr/>
               <a:t>‹#›</a:t>
             </a:fld>
             <a:endParaRPr lang="en-US"/>
@@ -1321,6 +1326,7 @@
           <a:p>
             <a:fld id="{05C5E6C7-CAB6-4A34-AA68-9641E9F6FBE4}" type="datetimeFigureOut">
               <a:rPr lang="en-US" smtClean="0"/>
+              <a:pPr/>
               <a:t>5/6/2010</a:t>
             </a:fld>
             <a:endParaRPr lang="en-US"/>
@@ -1454,6 +1460,7 @@
           <a:p>
             <a:fld id="{05C5E6C7-CAB6-4A34-AA68-9641E9F6FBE4}" type="datetimeFigureOut">
               <a:rPr lang="en-US" smtClean="0"/>
+              <a:pPr/>
               <a:t>5/6/2010</a:t>
             </a:fld>
             <a:endParaRPr lang="en-US"/>
@@ -1501,6 +1508,7 @@
           <a:p>
             <a:fld id="{7B098AC5-6533-4448-B1B2-53CD62905865}" type="slidenum">
               <a:rPr lang="en-US" smtClean="0"/>
+              <a:pPr/>
               <a:t>‹#›</a:t>
             </a:fld>
             <a:endParaRPr lang="en-US"/>
@@ -1997,6 +2005,7 @@
           <a:p>
             <a:fld id="{05C5E6C7-CAB6-4A34-AA68-9641E9F6FBE4}" type="datetimeFigureOut">
               <a:rPr lang="en-US" smtClean="0"/>
+              <a:pPr/>
               <a:t>5/6/2010</a:t>
             </a:fld>
             <a:endParaRPr lang="en-US"/>
@@ -2169,6 +2178,7 @@
           <a:p>
             <a:fld id="{7B098AC5-6533-4448-B1B2-53CD62905865}" type="slidenum">
               <a:rPr lang="en-US" smtClean="0"/>
+              <a:pPr/>
               <a:t>‹#›</a:t>
             </a:fld>
             <a:endParaRPr lang="en-US"/>
@@ -2292,6 +2302,7 @@
           <a:p>
             <a:fld id="{05C5E6C7-CAB6-4A34-AA68-9641E9F6FBE4}" type="datetimeFigureOut">
               <a:rPr lang="en-US" smtClean="0"/>
+              <a:pPr/>
               <a:t>5/6/2010</a:t>
             </a:fld>
             <a:endParaRPr lang="en-US"/>
@@ -2334,6 +2345,7 @@
           <a:p>
             <a:fld id="{7B098AC5-6533-4448-B1B2-53CD62905865}" type="slidenum">
               <a:rPr lang="en-US" smtClean="0"/>
+              <a:pPr/>
               <a:t>‹#›</a:t>
             </a:fld>
             <a:endParaRPr lang="en-US"/>
@@ -2951,6 +2963,7 @@
           <a:p>
             <a:fld id="{05C5E6C7-CAB6-4A34-AA68-9641E9F6FBE4}" type="datetimeFigureOut">
               <a:rPr lang="en-US" smtClean="0"/>
+              <a:pPr/>
               <a:t>5/6/2010</a:t>
             </a:fld>
             <a:endParaRPr lang="en-US"/>
@@ -3293,6 +3306,7 @@
           <a:p>
             <a:fld id="{7B098AC5-6533-4448-B1B2-53CD62905865}" type="slidenum">
               <a:rPr lang="en-US" smtClean="0"/>
+              <a:pPr/>
               <a:t>‹#›</a:t>
             </a:fld>
             <a:endParaRPr lang="en-US"/>
@@ -3387,6 +3401,7 @@
           <a:p>
             <a:fld id="{05C5E6C7-CAB6-4A34-AA68-9641E9F6FBE4}" type="datetimeFigureOut">
               <a:rPr lang="en-US" smtClean="0"/>
+              <a:pPr/>
               <a:t>5/6/2010</a:t>
             </a:fld>
             <a:endParaRPr lang="en-US"/>
@@ -3434,6 +3449,7 @@
           <a:p>
             <a:fld id="{7B098AC5-6533-4448-B1B2-53CD62905865}" type="slidenum">
               <a:rPr lang="en-US" smtClean="0"/>
+              <a:pPr/>
               <a:t>‹#›</a:t>
             </a:fld>
             <a:endParaRPr lang="en-US"/>
@@ -3700,6 +3716,7 @@
           <a:p>
             <a:fld id="{05C5E6C7-CAB6-4A34-AA68-9641E9F6FBE4}" type="datetimeFigureOut">
               <a:rPr lang="en-US" smtClean="0"/>
+              <a:pPr/>
               <a:t>5/6/2010</a:t>
             </a:fld>
             <a:endParaRPr lang="en-US"/>
@@ -3755,6 +3772,7 @@
           <a:p>
             <a:fld id="{7B098AC5-6533-4448-B1B2-53CD62905865}" type="slidenum">
               <a:rPr lang="en-US" smtClean="0"/>
+              <a:pPr/>
               <a:t>‹#›</a:t>
             </a:fld>
             <a:endParaRPr lang="en-US"/>
@@ -4373,6 +4391,7 @@
           <a:p>
             <a:fld id="{7B098AC5-6533-4448-B1B2-53CD62905865}" type="slidenum">
               <a:rPr lang="en-US" smtClean="0"/>
+              <a:pPr/>
               <a:t>‹#›</a:t>
             </a:fld>
             <a:endParaRPr lang="en-US"/>
@@ -4432,6 +4451,7 @@
           <a:p>
             <a:fld id="{05C5E6C7-CAB6-4A34-AA68-9641E9F6FBE4}" type="datetimeFigureOut">
               <a:rPr lang="en-US" smtClean="0"/>
+              <a:pPr/>
               <a:t>5/6/2010</a:t>
             </a:fld>
             <a:endParaRPr lang="en-US"/>
@@ -4907,6 +4927,7 @@
           <a:p>
             <a:fld id="{7B098AC5-6533-4448-B1B2-53CD62905865}" type="slidenum">
               <a:rPr lang="en-US" smtClean="0"/>
+              <a:pPr/>
               <a:t>‹#›</a:t>
             </a:fld>
             <a:endParaRPr lang="en-US"/>
@@ -5096,6 +5117,7 @@
           <a:p>
             <a:fld id="{05C5E6C7-CAB6-4A34-AA68-9641E9F6FBE4}" type="datetimeFigureOut">
               <a:rPr lang="en-US" smtClean="0"/>
+              <a:pPr/>
               <a:t>5/6/2010</a:t>
             </a:fld>
             <a:endParaRPr lang="en-US"/>
@@ -5369,6 +5391,7 @@
           <a:p>
             <a:fld id="{05C5E6C7-CAB6-4A34-AA68-9641E9F6FBE4}" type="datetimeFigureOut">
               <a:rPr lang="en-US" smtClean="0"/>
+              <a:pPr/>
               <a:t>5/6/2010</a:t>
             </a:fld>
             <a:endParaRPr lang="en-US"/>
@@ -5619,6 +5642,7 @@
           <a:p>
             <a:fld id="{7B098AC5-6533-4448-B1B2-53CD62905865}" type="slidenum">
               <a:rPr lang="en-US" smtClean="0"/>
+              <a:pPr/>
               <a:t>‹#›</a:t>
             </a:fld>
             <a:endParaRPr lang="en-US"/>
@@ -6373,21 +6397,33 @@
           <a:p>
             <a:r>
               <a:rPr lang="en-US" dirty="0" smtClean="0"/>
-              <a:t>Variety of built-in algorithms (list them)</a:t>
+              <a:t>Variety of built-in </a:t>
+            </a:r>
+            <a:r>
+              <a:rPr lang="en-US" dirty="0" smtClean="0"/>
+              <a:t>algorithms TODO(list </a:t>
+            </a:r>
+            <a:r>
+              <a:rPr lang="en-US" dirty="0" smtClean="0"/>
+              <a:t>them)</a:t>
             </a:r>
           </a:p>
           <a:p>
             <a:pPr lvl="1"/>
             <a:r>
               <a:rPr lang="en-US" dirty="0" smtClean="0"/>
-              <a:t>Ranging from simple to complex</a:t>
+              <a:t>Ranging from simple to </a:t>
+            </a:r>
+            <a:r>
+              <a:rPr lang="en-US" dirty="0" smtClean="0"/>
+              <a:t>complex</a:t>
             </a:r>
           </a:p>
           <a:p>
             <a:pPr lvl="1"/>
             <a:r>
               <a:rPr lang="en-US" dirty="0" smtClean="0"/>
-              <a:t>Packaged algorithms won’t guarantee profit</a:t>
+              <a:t>Compare analyses of real-time data using various algorithms</a:t>
             </a:r>
             <a:endParaRPr lang="en-US" dirty="0" smtClean="0"/>
           </a:p>
@@ -6401,14 +6437,26 @@
             <a:pPr lvl="1"/>
             <a:r>
               <a:rPr lang="en-US" dirty="0" smtClean="0"/>
-              <a:t>Provides toolkit for user-created algorithms</a:t>
+              <a:t>T</a:t>
+            </a:r>
+            <a:r>
+              <a:rPr lang="en-US" dirty="0" smtClean="0"/>
+              <a:t>oolkit </a:t>
+            </a:r>
+            <a:r>
+              <a:rPr lang="en-US" dirty="0" smtClean="0"/>
+              <a:t>for user-created algorithms</a:t>
             </a:r>
           </a:p>
           <a:p>
             <a:pPr lvl="1"/>
             <a:r>
               <a:rPr lang="en-US" dirty="0" smtClean="0"/>
-              <a:t>Maintain and update old algorithms</a:t>
+              <a:t>Maintain, update and customize </a:t>
+            </a:r>
+            <a:r>
+              <a:rPr lang="en-US" dirty="0" smtClean="0"/>
+              <a:t>old algorithms</a:t>
             </a:r>
             <a:endParaRPr lang="en-US" dirty="0"/>
           </a:p>
@@ -6489,14 +6537,35 @@
           <a:p>
             <a:r>
               <a:rPr lang="en-US" dirty="0" smtClean="0"/>
-              <a:t>No group leader, but rather a self-organizing team </a:t>
-            </a:r>
-          </a:p>
-          <a:p>
+              <a:t>No group leader, but </a:t>
+            </a:r>
             <a:r>
               <a:rPr lang="en-US" dirty="0" smtClean="0"/>
-              <a:t>Members with skills appropriate to current iteration would step up and take lead</a:t>
-            </a:r>
+              <a:t>an </a:t>
+            </a:r>
+            <a:r>
+              <a:rPr lang="en-US" dirty="0" smtClean="0"/>
+              <a:t>organic </a:t>
+            </a:r>
+            <a:r>
+              <a:rPr lang="en-US" dirty="0" smtClean="0"/>
+              <a:t>self-organizing </a:t>
+            </a:r>
+            <a:r>
+              <a:rPr lang="en-US" dirty="0" smtClean="0"/>
+              <a:t>team </a:t>
+            </a:r>
+          </a:p>
+          <a:p>
+            <a:r>
+              <a:rPr lang="en-US" dirty="0" smtClean="0"/>
+              <a:t>Members with </a:t>
+            </a:r>
+            <a:r>
+              <a:rPr lang="en-US" dirty="0" smtClean="0"/>
+              <a:t>the best understanding of the requirements of an iteration would step up and delegate tasks to team members with appropriate background and skills.</a:t>
+            </a:r>
+            <a:endParaRPr lang="en-US" dirty="0" smtClean="0"/>
           </a:p>
           <a:p>
             <a:r>
@@ -6508,8 +6577,13 @@
             <a:pPr lvl="1"/>
             <a:r>
               <a:rPr lang="en-US" dirty="0" smtClean="0"/>
-              <a:t>Programming, UML, </a:t>
-            </a:r>
+              <a:t>Programming, </a:t>
+            </a:r>
+            <a:r>
+              <a:rPr lang="en-US" dirty="0" smtClean="0"/>
+              <a:t>UML, Finance, Algorithms</a:t>
+            </a:r>
+            <a:endParaRPr lang="en-US" dirty="0" smtClean="0"/>
           </a:p>
           <a:p>
             <a:r>
@@ -6602,13 +6676,26 @@
           <a:p>
             <a:r>
               <a:rPr lang="en-US" dirty="0" smtClean="0"/>
-              <a:t>Basic built-in algorithms were created</a:t>
-            </a:r>
-          </a:p>
-          <a:p>
+              <a:t>Basic built-in algorithms were </a:t>
+            </a:r>
             <a:r>
               <a:rPr lang="en-US" dirty="0" smtClean="0"/>
-              <a:t>Team cooperation and organization</a:t>
+              <a:t>created to demonstrate the algorithm platform</a:t>
+            </a:r>
+            <a:endParaRPr lang="en-US" dirty="0" smtClean="0"/>
+          </a:p>
+          <a:p>
+            <a:r>
+              <a:rPr lang="en-US" dirty="0" smtClean="0"/>
+              <a:t>Organic t</a:t>
+            </a:r>
+            <a:r>
+              <a:rPr lang="en-US" dirty="0" smtClean="0"/>
+              <a:t>eam </a:t>
+            </a:r>
+            <a:r>
+              <a:rPr lang="en-US" dirty="0" smtClean="0"/>
+              <a:t>cooperation and organization</a:t>
             </a:r>
           </a:p>
           <a:p>
@@ -6691,8 +6778,9 @@
             <a:pPr lvl="1"/>
             <a:r>
               <a:rPr lang="en-US" dirty="0" smtClean="0"/>
-              <a:t>Left it up to the user to create these</a:t>
-            </a:r>
+              <a:t>It was more feasible to leave this up to the user, plus now we can sell the algorithms separately.</a:t>
+            </a:r>
+            <a:endParaRPr lang="en-US" dirty="0" smtClean="0"/>
           </a:p>
           <a:p>
             <a:r>
@@ -6979,6 +7067,58 @@
               <a:rPr lang="en-US" dirty="0" smtClean="0"/>
               <a:t>Jabberwocky will also allow you to make different kinds of smart trades, if you have a good long-term prediction, Jabberwocky will group you with other users and make a cheaper bulk trade.</a:t>
             </a:r>
+          </a:p>
+        </p:txBody>
+      </p:sp>
+      <p:sp>
+        <p:nvSpPr>
+          <p:cNvPr id="4" name="TextBox 3"/>
+          <p:cNvSpPr txBox="1"/>
+          <p:nvPr/>
+        </p:nvSpPr>
+        <p:spPr>
+          <a:xfrm>
+            <a:off x="6400800" y="1676400"/>
+            <a:ext cx="2514600" cy="338554"/>
+          </a:xfrm>
+          <a:prstGeom prst="rect">
+            <a:avLst/>
+          </a:prstGeom>
+          <a:noFill/>
+        </p:spPr>
+        <p:txBody>
+          <a:bodyPr wrap="square" rtlCol="0">
+            <a:spAutoFit/>
+          </a:bodyPr>
+          <a:lstStyle/>
+          <a:p>
+            <a:r>
+              <a:rPr lang="en-US" sz="1600" dirty="0" err="1" smtClean="0">
+                <a:solidFill>
+                  <a:schemeClr val="bg1">
+                    <a:lumMod val="95000"/>
+                  </a:schemeClr>
+                </a:solidFill>
+              </a:rPr>
+              <a:t>IMPossible</a:t>
+            </a:r>
+            <a:r>
+              <a:rPr lang="en-US" sz="1600" dirty="0" smtClean="0">
+                <a:solidFill>
+                  <a:schemeClr val="bg1">
+                    <a:lumMod val="95000"/>
+                  </a:schemeClr>
+                </a:solidFill>
+              </a:rPr>
+              <a:t>? I think not</a:t>
+            </a:r>
+            <a:endParaRPr lang="en-US" sz="1600" dirty="0">
+              <a:solidFill>
+                <a:schemeClr val="bg1">
+                  <a:lumMod val="95000"/>
+                </a:schemeClr>
+              </a:solidFill>
+            </a:endParaRPr>
           </a:p>
         </p:txBody>
       </p:sp>
